--- a/docs/MediCrawl_May4_2020.pptx
+++ b/docs/MediCrawl_May4_2020.pptx
@@ -333,6 +333,11 @@
       </a:defRPr>
     </a:lvl9pPr>
   </p:defaultTextStyle>
+  <p:extLst>
+    <p:ext uri="{EFAFB233-063F-42B5-8137-9DF3F51BA10A}">
+      <p15:sldGuideLst xmlns:p15="http://schemas.microsoft.com/office/powerpoint/2012/main"/>
+    </p:ext>
+  </p:extLst>
 </p:presentation>
 </file>
 
@@ -511,6 +516,376 @@
       </p:grpSpPr>
       <p:sp>
         <p:nvSpPr>
+          <p:cNvPr id="2" name="Slide Image Placeholder 1"/>
+          <p:cNvSpPr>
+            <a:spLocks noGrp="1" noRot="1" noChangeAspect="1"/>
+          </p:cNvSpPr>
+          <p:nvPr>
+            <p:ph type="sldImg"/>
+          </p:nvPr>
+        </p:nvSpPr>
+        <p:spPr>
+          <a:xfrm>
+            <a:off x="384175" y="685800"/>
+            <a:ext cx="6089650" cy="3429000"/>
+          </a:xfrm>
+        </p:spPr>
+      </p:sp>
+      <p:sp>
+        <p:nvSpPr>
+          <p:cNvPr id="3" name="Notes Placeholder 2"/>
+          <p:cNvSpPr>
+            <a:spLocks noGrp="1"/>
+          </p:cNvSpPr>
+          <p:nvPr>
+            <p:ph type="body" idx="1"/>
+          </p:nvPr>
+        </p:nvSpPr>
+        <p:spPr/>
+        <p:txBody>
+          <a:bodyPr/>
+          <a:lstStyle/>
+          <a:p>
+            <a:r>
+              <a:rPr lang="en-IN" dirty="0"/>
+              <a:t>Main motive of our project is Information retrieval</a:t>
+            </a:r>
+          </a:p>
+          <a:p>
+            <a:r>
+              <a:rPr lang="en-IN" dirty="0"/>
+              <a:t>Goal is to find….. </a:t>
+            </a:r>
+          </a:p>
+          <a:p>
+            <a:r>
+              <a:rPr lang="en-IN" dirty="0"/>
+              <a:t>What is the Process of information retrieval – Query string by user -&gt; IR system -&gt; IR looks for the query in the document collection and provide the list of documents after ranking</a:t>
+            </a:r>
+          </a:p>
+          <a:p>
+            <a:r>
+              <a:rPr lang="en-IN" dirty="0"/>
+              <a:t>How do we represent text?</a:t>
+            </a:r>
+          </a:p>
+          <a:p>
+            <a:r>
+              <a:rPr lang="en-IN" dirty="0"/>
+              <a:t>Bag of words – Treat all words as index terms and assign weight</a:t>
+            </a:r>
+          </a:p>
+          <a:p>
+            <a:r>
+              <a:rPr lang="en-IN" dirty="0"/>
+              <a:t>Vectors – They are sorted in alphabetical order and given the no. of occurrences</a:t>
+            </a:r>
+          </a:p>
+          <a:p>
+            <a:r>
+              <a:rPr lang="en-IN" dirty="0"/>
+              <a:t>How do we process the terms?</a:t>
+            </a:r>
+          </a:p>
+          <a:p>
+            <a:r>
+              <a:rPr lang="en-IN" dirty="0"/>
+              <a:t>Stop words – Little semantic content and are common words</a:t>
+            </a:r>
+          </a:p>
+          <a:p>
+            <a:r>
+              <a:rPr lang="en-IN" dirty="0"/>
+              <a:t>Normalization – </a:t>
+            </a:r>
+            <a:r>
+              <a:rPr lang="en-IN" dirty="0" err="1"/>
+              <a:t>Eg</a:t>
+            </a:r>
+            <a:r>
+              <a:rPr lang="en-IN" dirty="0"/>
+              <a:t>: convert U.S.A to USA</a:t>
+            </a:r>
+          </a:p>
+          <a:p>
+            <a:r>
+              <a:rPr lang="en-IN" dirty="0"/>
+              <a:t>Case folding – Reduce all to lower case</a:t>
+            </a:r>
+          </a:p>
+          <a:p>
+            <a:r>
+              <a:rPr lang="en-IN" dirty="0"/>
+              <a:t>Stemming – Cars, car to car, be verbs</a:t>
+            </a:r>
+          </a:p>
+          <a:p>
+            <a:r>
+              <a:rPr lang="en-IN" dirty="0"/>
+              <a:t>Thesauri – Synonyms and homonyms handling</a:t>
+            </a:r>
+          </a:p>
+          <a:p>
+            <a:r>
+              <a:rPr lang="en-IN" dirty="0"/>
+              <a:t>Human factor – How the user queries?</a:t>
+            </a:r>
+          </a:p>
+          <a:p>
+            <a:r>
+              <a:rPr lang="en-IN" dirty="0"/>
+              <a:t>Other languages – Date format &amp; Accents</a:t>
+            </a:r>
+          </a:p>
+        </p:txBody>
+      </p:sp>
+    </p:spTree>
+    <p:extLst>
+      <p:ext uri="{BB962C8B-B14F-4D97-AF65-F5344CB8AC3E}">
+        <p14:creationId xmlns:p14="http://schemas.microsoft.com/office/powerpoint/2010/main" val="2216000006"/>
+      </p:ext>
+    </p:extLst>
+  </p:cSld>
+  <p:clrMapOvr>
+    <a:masterClrMapping/>
+  </p:clrMapOvr>
+</p:notes>
+</file>
+
+<file path=ppt/notesSlides/notesSlide10.xml><?xml version="1.0" encoding="utf-8"?>
+<p:notes xmlns:a="http://schemas.openxmlformats.org/drawingml/2006/main" xmlns:r="http://schemas.openxmlformats.org/officeDocument/2006/relationships" xmlns:p="http://schemas.openxmlformats.org/presentationml/2006/main">
+  <p:cSld>
+    <p:spTree>
+      <p:nvGrpSpPr>
+        <p:cNvPr id="1" name=""/>
+        <p:cNvGrpSpPr/>
+        <p:nvPr/>
+      </p:nvGrpSpPr>
+      <p:grpSpPr>
+        <a:xfrm>
+          <a:off x="0" y="0"/>
+          <a:ext cx="0" cy="0"/>
+          <a:chOff x="0" y="0"/>
+          <a:chExt cx="0" cy="0"/>
+        </a:xfrm>
+      </p:grpSpPr>
+      <p:sp>
+        <p:nvSpPr>
+          <p:cNvPr id="2" name="Slide Image Placeholder 1"/>
+          <p:cNvSpPr>
+            <a:spLocks noGrp="1" noRot="1" noChangeAspect="1"/>
+          </p:cNvSpPr>
+          <p:nvPr>
+            <p:ph type="sldImg"/>
+          </p:nvPr>
+        </p:nvSpPr>
+        <p:spPr>
+          <a:xfrm>
+            <a:off x="384175" y="685800"/>
+            <a:ext cx="6089650" cy="3429000"/>
+          </a:xfrm>
+        </p:spPr>
+      </p:sp>
+      <p:sp>
+        <p:nvSpPr>
+          <p:cNvPr id="3" name="Notes Placeholder 2"/>
+          <p:cNvSpPr>
+            <a:spLocks noGrp="1"/>
+          </p:cNvSpPr>
+          <p:nvPr>
+            <p:ph type="body" idx="1"/>
+          </p:nvPr>
+        </p:nvSpPr>
+        <p:spPr/>
+        <p:txBody>
+          <a:bodyPr/>
+          <a:lstStyle/>
+          <a:p>
+            <a:endParaRPr lang="en-IN" dirty="0"/>
+          </a:p>
+        </p:txBody>
+      </p:sp>
+    </p:spTree>
+    <p:extLst>
+      <p:ext uri="{BB962C8B-B14F-4D97-AF65-F5344CB8AC3E}">
+        <p14:creationId xmlns:p14="http://schemas.microsoft.com/office/powerpoint/2010/main" val="120718190"/>
+      </p:ext>
+    </p:extLst>
+  </p:cSld>
+  <p:clrMapOvr>
+    <a:masterClrMapping/>
+  </p:clrMapOvr>
+</p:notes>
+</file>
+
+<file path=ppt/notesSlides/notesSlide2.xml><?xml version="1.0" encoding="utf-8"?>
+<p:notes xmlns:a="http://schemas.openxmlformats.org/drawingml/2006/main" xmlns:r="http://schemas.openxmlformats.org/officeDocument/2006/relationships" xmlns:p="http://schemas.openxmlformats.org/presentationml/2006/main">
+  <p:cSld>
+    <p:spTree>
+      <p:nvGrpSpPr>
+        <p:cNvPr id="1" name=""/>
+        <p:cNvGrpSpPr/>
+        <p:nvPr/>
+      </p:nvGrpSpPr>
+      <p:grpSpPr>
+        <a:xfrm>
+          <a:off x="0" y="0"/>
+          <a:ext cx="0" cy="0"/>
+          <a:chOff x="0" y="0"/>
+          <a:chExt cx="0" cy="0"/>
+        </a:xfrm>
+      </p:grpSpPr>
+      <p:sp>
+        <p:nvSpPr>
+          <p:cNvPr id="2" name="Slide Image Placeholder 1"/>
+          <p:cNvSpPr>
+            <a:spLocks noGrp="1" noRot="1" noChangeAspect="1"/>
+          </p:cNvSpPr>
+          <p:nvPr>
+            <p:ph type="sldImg"/>
+          </p:nvPr>
+        </p:nvSpPr>
+        <p:spPr>
+          <a:xfrm>
+            <a:off x="384175" y="685800"/>
+            <a:ext cx="6089650" cy="3429000"/>
+          </a:xfrm>
+        </p:spPr>
+      </p:sp>
+      <p:sp>
+        <p:nvSpPr>
+          <p:cNvPr id="3" name="Notes Placeholder 2"/>
+          <p:cNvSpPr>
+            <a:spLocks noGrp="1"/>
+          </p:cNvSpPr>
+          <p:nvPr>
+            <p:ph type="body" idx="1"/>
+          </p:nvPr>
+        </p:nvSpPr>
+        <p:spPr/>
+        <p:txBody>
+          <a:bodyPr/>
+          <a:lstStyle/>
+          <a:p>
+            <a:r>
+              <a:rPr lang="en-IN" dirty="0"/>
+              <a:t>Terms &amp; Documents matrix – very sparse and hence very large</a:t>
+            </a:r>
+          </a:p>
+          <a:p>
+            <a:r>
+              <a:rPr lang="en-IN" dirty="0"/>
+              <a:t>Solution is inverted index – Stores a list of documents containing term T</a:t>
+            </a:r>
+          </a:p>
+          <a:p>
+            <a:r>
+              <a:rPr lang="en-IN" dirty="0"/>
+              <a:t>Issues – False positives &amp; Index blow up</a:t>
+            </a:r>
+          </a:p>
+          <a:p>
+            <a:r>
+              <a:rPr lang="en-IN" dirty="0"/>
+              <a:t>Solution – Positional Index - Store position of the terms in each postings</a:t>
+            </a:r>
+          </a:p>
+          <a:p>
+            <a:r>
+              <a:rPr lang="en-IN" dirty="0"/>
+              <a:t>Issue – Takes a long time to seek</a:t>
+            </a:r>
+          </a:p>
+          <a:p>
+            <a:r>
+              <a:rPr lang="en-IN" dirty="0"/>
+              <a:t>Solution – Binary tree – Quick to search &amp; economic storage</a:t>
+            </a:r>
+          </a:p>
+          <a:p>
+            <a:r>
+              <a:rPr lang="en-IN" dirty="0"/>
+              <a:t>Issues - Sometimes tree become unbalanced</a:t>
+            </a:r>
+          </a:p>
+          <a:p>
+            <a:r>
+              <a:rPr lang="en-IN" dirty="0"/>
+              <a:t>Solution - Vocabulary tree</a:t>
+            </a:r>
+          </a:p>
+          <a:p>
+            <a:r>
+              <a:rPr lang="en-IN" dirty="0"/>
+              <a:t>Boolean model – Use AND OR NOT to check the occurrence in the document – EXACT Match</a:t>
+            </a:r>
+          </a:p>
+          <a:p>
+            <a:r>
+              <a:rPr lang="en-IN" dirty="0"/>
+              <a:t>Vector space model – Close match</a:t>
+            </a:r>
+          </a:p>
+          <a:p>
+            <a:r>
+              <a:rPr lang="en-IN" dirty="0"/>
+              <a:t>BM refers to Best match</a:t>
+            </a:r>
+          </a:p>
+          <a:p>
+            <a:pPr marL="171450" indent="-171450">
+              <a:buFontTx/>
+              <a:buChar char="-"/>
+            </a:pPr>
+            <a:r>
+              <a:rPr lang="en-IN" dirty="0"/>
+              <a:t>TF (How frequent the term is)</a:t>
+            </a:r>
+          </a:p>
+          <a:p>
+            <a:pPr marL="171450" indent="-171450">
+              <a:buFontTx/>
+              <a:buChar char="-"/>
+            </a:pPr>
+            <a:r>
+              <a:rPr lang="en-IN" dirty="0"/>
+              <a:t>IDF (How important the term is)</a:t>
+            </a:r>
+          </a:p>
+        </p:txBody>
+      </p:sp>
+    </p:spTree>
+    <p:extLst>
+      <p:ext uri="{BB962C8B-B14F-4D97-AF65-F5344CB8AC3E}">
+        <p14:creationId xmlns:p14="http://schemas.microsoft.com/office/powerpoint/2010/main" val="396691201"/>
+      </p:ext>
+    </p:extLst>
+  </p:cSld>
+  <p:clrMapOvr>
+    <a:masterClrMapping/>
+  </p:clrMapOvr>
+</p:notes>
+</file>
+
+<file path=ppt/notesSlides/notesSlide3.xml><?xml version="1.0" encoding="utf-8"?>
+<p:notes xmlns:a="http://schemas.openxmlformats.org/drawingml/2006/main" xmlns:r="http://schemas.openxmlformats.org/officeDocument/2006/relationships" xmlns:p="http://schemas.openxmlformats.org/presentationml/2006/main">
+  <p:cSld>
+    <p:spTree>
+      <p:nvGrpSpPr>
+        <p:cNvPr id="1" name=""/>
+        <p:cNvGrpSpPr/>
+        <p:nvPr/>
+      </p:nvGrpSpPr>
+      <p:grpSpPr>
+        <a:xfrm>
+          <a:off x="0" y="0"/>
+          <a:ext cx="0" cy="0"/>
+          <a:chOff x="0" y="0"/>
+          <a:chExt cx="0" cy="0"/>
+        </a:xfrm>
+      </p:grpSpPr>
+      <p:sp>
+        <p:nvSpPr>
           <p:cNvPr id="590" name="Shape 590"/>
           <p:cNvSpPr>
             <a:spLocks noGrp="1" noRot="1" noChangeAspect="1"/>
@@ -520,6 +895,10 @@
           </p:nvPr>
         </p:nvSpPr>
         <p:spPr>
+          <a:xfrm>
+            <a:off x="384175" y="685800"/>
+            <a:ext cx="6089650" cy="3429000"/>
+          </a:xfrm>
           <a:prstGeom prst="rect">
             <a:avLst/>
           </a:prstGeom>
@@ -552,43 +931,581 @@
           <a:lstStyle/>
           <a:p>
             <a:r>
-              <a:t>BM25 is one of the most established probabilistic term weighting models. </a:t>
-            </a:r>
-          </a:p>
-          <a:p>
-            <a:r>
-              <a:t>The evolution of the 2-Poisson model as designed by Robertson, Van Rijsbergen and Porter has motivated the birth of a family of term-weighting forms called BMs (BM for Best Match). Implementation of BM25 in two different ways: a standard implementation called BM25, and a DFR(</a:t>
-            </a:r>
-            <a:r>
-              <a:rPr b="1" u="sng">
-                <a:solidFill>
-                  <a:srgbClr val="0000FF"/>
-                </a:solidFill>
-                <a:uFill>
-                  <a:solidFill>
-                    <a:srgbClr val="0000FF"/>
-                  </a:solidFill>
-                </a:uFill>
-                <a:hlinkClick r:id="rId3"/>
-              </a:rPr>
-              <a:t>Divergence From Randomness</a:t>
-            </a:r>
-            <a:r>
-              <a:rPr b="1"/>
-              <a:t>)</a:t>
-            </a:r>
-            <a:r>
-              <a:t> based one called BM25-DFR. </a:t>
-            </a:r>
-          </a:p>
-          <a:p>
-            <a:r>
-              <a:t>DFR models are obtained by instantiating the three components of the framework: selecting a basic randomness model, applying the first normalization and normalizing the term frequencies.</a:t>
+              <a:rPr dirty="0"/>
+              <a:t>BM25 is one of the most established models. </a:t>
+            </a:r>
+          </a:p>
+          <a:p>
+            <a:r>
+              <a:rPr dirty="0"/>
+              <a:t>The 2-Poisson model designed by Robertson, Van and Porter has motivated the birth of term-weighting forms called BMs</a:t>
+            </a:r>
+            <a:r>
+              <a:rPr lang="en-IN" dirty="0"/>
+              <a:t>.</a:t>
+            </a:r>
+          </a:p>
+          <a:p>
+            <a:r>
+              <a:rPr lang="en-IN" dirty="0"/>
+              <a:t>BM uses logarithmic and normalized </a:t>
+            </a:r>
+            <a:r>
+              <a:rPr lang="en-IN" dirty="0" err="1"/>
+              <a:t>tf</a:t>
+            </a:r>
+            <a:r>
+              <a:rPr lang="en-IN" dirty="0"/>
+              <a:t>.</a:t>
+            </a:r>
+          </a:p>
+          <a:p>
+            <a:r>
+              <a:rPr lang="en-IN" dirty="0"/>
+              <a:t>RSV is the ranking function used. It is the summation of </a:t>
+            </a:r>
+            <a:r>
+              <a:rPr lang="en-IN" dirty="0" err="1"/>
+              <a:t>iDF</a:t>
+            </a:r>
+            <a:r>
+              <a:rPr lang="en-IN" dirty="0"/>
+              <a:t> and TF for each term.</a:t>
+            </a:r>
+          </a:p>
+          <a:p>
+            <a:r>
+              <a:rPr lang="en-IN" dirty="0"/>
+              <a:t>K is the formula used to normalize the document length.</a:t>
             </a:r>
           </a:p>
         </p:txBody>
       </p:sp>
     </p:spTree>
+  </p:cSld>
+  <p:clrMapOvr>
+    <a:masterClrMapping/>
+  </p:clrMapOvr>
+</p:notes>
+</file>
+
+<file path=ppt/notesSlides/notesSlide4.xml><?xml version="1.0" encoding="utf-8"?>
+<p:notes xmlns:a="http://schemas.openxmlformats.org/drawingml/2006/main" xmlns:r="http://schemas.openxmlformats.org/officeDocument/2006/relationships" xmlns:p="http://schemas.openxmlformats.org/presentationml/2006/main">
+  <p:cSld>
+    <p:spTree>
+      <p:nvGrpSpPr>
+        <p:cNvPr id="1" name=""/>
+        <p:cNvGrpSpPr/>
+        <p:nvPr/>
+      </p:nvGrpSpPr>
+      <p:grpSpPr>
+        <a:xfrm>
+          <a:off x="0" y="0"/>
+          <a:ext cx="0" cy="0"/>
+          <a:chOff x="0" y="0"/>
+          <a:chExt cx="0" cy="0"/>
+        </a:xfrm>
+      </p:grpSpPr>
+      <p:sp>
+        <p:nvSpPr>
+          <p:cNvPr id="2" name="Slide Image Placeholder 1"/>
+          <p:cNvSpPr>
+            <a:spLocks noGrp="1" noRot="1" noChangeAspect="1"/>
+          </p:cNvSpPr>
+          <p:nvPr>
+            <p:ph type="sldImg"/>
+          </p:nvPr>
+        </p:nvSpPr>
+        <p:spPr>
+          <a:xfrm>
+            <a:off x="384175" y="685800"/>
+            <a:ext cx="6089650" cy="3429000"/>
+          </a:xfrm>
+        </p:spPr>
+      </p:sp>
+      <p:sp>
+        <p:nvSpPr>
+          <p:cNvPr id="3" name="Notes Placeholder 2"/>
+          <p:cNvSpPr>
+            <a:spLocks noGrp="1"/>
+          </p:cNvSpPr>
+          <p:nvPr>
+            <p:ph type="body" idx="1"/>
+          </p:nvPr>
+        </p:nvSpPr>
+        <p:spPr/>
+        <p:txBody>
+          <a:bodyPr/>
+          <a:lstStyle/>
+          <a:p>
+            <a:r>
+              <a:rPr lang="en-IN" dirty="0"/>
+              <a:t>Lets see the explanation of BM25 formula using an example.</a:t>
+            </a:r>
+          </a:p>
+          <a:p>
+            <a:r>
+              <a:rPr lang="en-IN" dirty="0"/>
+              <a:t>Formula explanation….</a:t>
+            </a:r>
+          </a:p>
+          <a:p>
+            <a:r>
+              <a:rPr lang="en-IN" dirty="0"/>
+              <a:t>The output is called the </a:t>
+            </a:r>
+            <a:r>
+              <a:rPr lang="en-IN" dirty="0" err="1"/>
+              <a:t>OriginalScore</a:t>
+            </a:r>
+            <a:r>
+              <a:rPr lang="en-IN" dirty="0"/>
+              <a:t> in Linear model.</a:t>
+            </a:r>
+          </a:p>
+        </p:txBody>
+      </p:sp>
+    </p:spTree>
+    <p:extLst>
+      <p:ext uri="{BB962C8B-B14F-4D97-AF65-F5344CB8AC3E}">
+        <p14:creationId xmlns:p14="http://schemas.microsoft.com/office/powerpoint/2010/main" val="2102999286"/>
+      </p:ext>
+    </p:extLst>
+  </p:cSld>
+  <p:clrMapOvr>
+    <a:masterClrMapping/>
+  </p:clrMapOvr>
+</p:notes>
+</file>
+
+<file path=ppt/notesSlides/notesSlide5.xml><?xml version="1.0" encoding="utf-8"?>
+<p:notes xmlns:a="http://schemas.openxmlformats.org/drawingml/2006/main" xmlns:r="http://schemas.openxmlformats.org/officeDocument/2006/relationships" xmlns:p="http://schemas.openxmlformats.org/presentationml/2006/main">
+  <p:cSld>
+    <p:spTree>
+      <p:nvGrpSpPr>
+        <p:cNvPr id="1" name=""/>
+        <p:cNvGrpSpPr/>
+        <p:nvPr/>
+      </p:nvGrpSpPr>
+      <p:grpSpPr>
+        <a:xfrm>
+          <a:off x="0" y="0"/>
+          <a:ext cx="0" cy="0"/>
+          <a:chOff x="0" y="0"/>
+          <a:chExt cx="0" cy="0"/>
+        </a:xfrm>
+      </p:grpSpPr>
+      <p:sp>
+        <p:nvSpPr>
+          <p:cNvPr id="2" name="Slide Image Placeholder 1"/>
+          <p:cNvSpPr>
+            <a:spLocks noGrp="1" noRot="1" noChangeAspect="1"/>
+          </p:cNvSpPr>
+          <p:nvPr>
+            <p:ph type="sldImg"/>
+          </p:nvPr>
+        </p:nvSpPr>
+        <p:spPr>
+          <a:xfrm>
+            <a:off x="384175" y="685800"/>
+            <a:ext cx="6089650" cy="3429000"/>
+          </a:xfrm>
+        </p:spPr>
+      </p:sp>
+      <p:sp>
+        <p:nvSpPr>
+          <p:cNvPr id="3" name="Notes Placeholder 2"/>
+          <p:cNvSpPr>
+            <a:spLocks noGrp="1"/>
+          </p:cNvSpPr>
+          <p:nvPr>
+            <p:ph type="body" idx="1"/>
+          </p:nvPr>
+        </p:nvSpPr>
+        <p:spPr/>
+        <p:txBody>
+          <a:bodyPr/>
+          <a:lstStyle/>
+          <a:p>
+            <a:r>
+              <a:rPr lang="en-IN" dirty="0"/>
+              <a:t>We will search for a novel disease, a common disease and a rare disease.</a:t>
+            </a:r>
+          </a:p>
+          <a:p>
+            <a:r>
+              <a:rPr lang="en-IN" dirty="0"/>
+              <a:t>The symptoms are entered to find out about the disease. Let us see a demo of it.</a:t>
+            </a:r>
+          </a:p>
+          <a:p>
+            <a:r>
+              <a:rPr lang="en-IN" dirty="0"/>
+              <a:t>We are showing the top results in our search. </a:t>
+            </a:r>
+          </a:p>
+          <a:p>
+            <a:r>
+              <a:rPr lang="en-IN" dirty="0"/>
+              <a:t>We also have google and wiki search in our page, so that if the user wants to know the meaning or if they don’t understand a term, they don’t have to leave the page. </a:t>
+            </a:r>
+          </a:p>
+          <a:p>
+            <a:endParaRPr lang="en-IN" dirty="0"/>
+          </a:p>
+        </p:txBody>
+      </p:sp>
+    </p:spTree>
+    <p:extLst>
+      <p:ext uri="{BB962C8B-B14F-4D97-AF65-F5344CB8AC3E}">
+        <p14:creationId xmlns:p14="http://schemas.microsoft.com/office/powerpoint/2010/main" val="3406369011"/>
+      </p:ext>
+    </p:extLst>
+  </p:cSld>
+  <p:clrMapOvr>
+    <a:masterClrMapping/>
+  </p:clrMapOvr>
+</p:notes>
+</file>
+
+<file path=ppt/notesSlides/notesSlide6.xml><?xml version="1.0" encoding="utf-8"?>
+<p:notes xmlns:a="http://schemas.openxmlformats.org/drawingml/2006/main" xmlns:r="http://schemas.openxmlformats.org/officeDocument/2006/relationships" xmlns:p="http://schemas.openxmlformats.org/presentationml/2006/main">
+  <p:cSld>
+    <p:spTree>
+      <p:nvGrpSpPr>
+        <p:cNvPr id="1" name=""/>
+        <p:cNvGrpSpPr/>
+        <p:nvPr/>
+      </p:nvGrpSpPr>
+      <p:grpSpPr>
+        <a:xfrm>
+          <a:off x="0" y="0"/>
+          <a:ext cx="0" cy="0"/>
+          <a:chOff x="0" y="0"/>
+          <a:chExt cx="0" cy="0"/>
+        </a:xfrm>
+      </p:grpSpPr>
+      <p:sp>
+        <p:nvSpPr>
+          <p:cNvPr id="2" name="Slide Image Placeholder 1"/>
+          <p:cNvSpPr>
+            <a:spLocks noGrp="1" noRot="1" noChangeAspect="1"/>
+          </p:cNvSpPr>
+          <p:nvPr>
+            <p:ph type="sldImg"/>
+          </p:nvPr>
+        </p:nvSpPr>
+        <p:spPr>
+          <a:xfrm>
+            <a:off x="384175" y="685800"/>
+            <a:ext cx="6089650" cy="3429000"/>
+          </a:xfrm>
+        </p:spPr>
+      </p:sp>
+      <p:sp>
+        <p:nvSpPr>
+          <p:cNvPr id="3" name="Notes Placeholder 2"/>
+          <p:cNvSpPr>
+            <a:spLocks noGrp="1"/>
+          </p:cNvSpPr>
+          <p:nvPr>
+            <p:ph type="body" idx="1"/>
+          </p:nvPr>
+        </p:nvSpPr>
+        <p:spPr/>
+        <p:txBody>
+          <a:bodyPr/>
+          <a:lstStyle/>
+          <a:p>
+            <a:r>
+              <a:rPr lang="en-IN" dirty="0"/>
+              <a:t>Results for sinus by </a:t>
+            </a:r>
+            <a:r>
+              <a:rPr lang="en-IN" dirty="0" err="1"/>
+              <a:t>medi</a:t>
+            </a:r>
+            <a:r>
+              <a:rPr lang="en-IN" dirty="0"/>
+              <a:t> crawl.</a:t>
+            </a:r>
+          </a:p>
+        </p:txBody>
+      </p:sp>
+    </p:spTree>
+    <p:extLst>
+      <p:ext uri="{BB962C8B-B14F-4D97-AF65-F5344CB8AC3E}">
+        <p14:creationId xmlns:p14="http://schemas.microsoft.com/office/powerpoint/2010/main" val="795079247"/>
+      </p:ext>
+    </p:extLst>
+  </p:cSld>
+  <p:clrMapOvr>
+    <a:masterClrMapping/>
+  </p:clrMapOvr>
+</p:notes>
+</file>
+
+<file path=ppt/notesSlides/notesSlide7.xml><?xml version="1.0" encoding="utf-8"?>
+<p:notes xmlns:a="http://schemas.openxmlformats.org/drawingml/2006/main" xmlns:r="http://schemas.openxmlformats.org/officeDocument/2006/relationships" xmlns:p="http://schemas.openxmlformats.org/presentationml/2006/main">
+  <p:cSld>
+    <p:spTree>
+      <p:nvGrpSpPr>
+        <p:cNvPr id="1" name=""/>
+        <p:cNvGrpSpPr/>
+        <p:nvPr/>
+      </p:nvGrpSpPr>
+      <p:grpSpPr>
+        <a:xfrm>
+          <a:off x="0" y="0"/>
+          <a:ext cx="0" cy="0"/>
+          <a:chOff x="0" y="0"/>
+          <a:chExt cx="0" cy="0"/>
+        </a:xfrm>
+      </p:grpSpPr>
+      <p:sp>
+        <p:nvSpPr>
+          <p:cNvPr id="2" name="Slide Image Placeholder 1"/>
+          <p:cNvSpPr>
+            <a:spLocks noGrp="1" noRot="1" noChangeAspect="1"/>
+          </p:cNvSpPr>
+          <p:nvPr>
+            <p:ph type="sldImg"/>
+          </p:nvPr>
+        </p:nvSpPr>
+        <p:spPr>
+          <a:xfrm>
+            <a:off x="384175" y="685800"/>
+            <a:ext cx="6089650" cy="3429000"/>
+          </a:xfrm>
+        </p:spPr>
+      </p:sp>
+      <p:sp>
+        <p:nvSpPr>
+          <p:cNvPr id="3" name="Notes Placeholder 2"/>
+          <p:cNvSpPr>
+            <a:spLocks noGrp="1"/>
+          </p:cNvSpPr>
+          <p:nvPr>
+            <p:ph type="body" idx="1"/>
+          </p:nvPr>
+        </p:nvSpPr>
+        <p:spPr/>
+        <p:txBody>
+          <a:bodyPr/>
+          <a:lstStyle/>
+          <a:p>
+            <a:r>
+              <a:rPr lang="en-IN" dirty="0"/>
+              <a:t>Google &amp; Wiki has the definitions for the search term.</a:t>
+            </a:r>
+          </a:p>
+        </p:txBody>
+      </p:sp>
+    </p:spTree>
+    <p:extLst>
+      <p:ext uri="{BB962C8B-B14F-4D97-AF65-F5344CB8AC3E}">
+        <p14:creationId xmlns:p14="http://schemas.microsoft.com/office/powerpoint/2010/main" val="3196420662"/>
+      </p:ext>
+    </p:extLst>
+  </p:cSld>
+  <p:clrMapOvr>
+    <a:masterClrMapping/>
+  </p:clrMapOvr>
+</p:notes>
+</file>
+
+<file path=ppt/notesSlides/notesSlide8.xml><?xml version="1.0" encoding="utf-8"?>
+<p:notes xmlns:a="http://schemas.openxmlformats.org/drawingml/2006/main" xmlns:r="http://schemas.openxmlformats.org/officeDocument/2006/relationships" xmlns:p="http://schemas.openxmlformats.org/presentationml/2006/main">
+  <p:cSld>
+    <p:spTree>
+      <p:nvGrpSpPr>
+        <p:cNvPr id="1" name=""/>
+        <p:cNvGrpSpPr/>
+        <p:nvPr/>
+      </p:nvGrpSpPr>
+      <p:grpSpPr>
+        <a:xfrm>
+          <a:off x="0" y="0"/>
+          <a:ext cx="0" cy="0"/>
+          <a:chOff x="0" y="0"/>
+          <a:chExt cx="0" cy="0"/>
+        </a:xfrm>
+      </p:grpSpPr>
+      <p:sp>
+        <p:nvSpPr>
+          <p:cNvPr id="2" name="Slide Image Placeholder 1"/>
+          <p:cNvSpPr>
+            <a:spLocks noGrp="1" noRot="1" noChangeAspect="1"/>
+          </p:cNvSpPr>
+          <p:nvPr>
+            <p:ph type="sldImg"/>
+          </p:nvPr>
+        </p:nvSpPr>
+        <p:spPr>
+          <a:xfrm>
+            <a:off x="384175" y="685800"/>
+            <a:ext cx="6089650" cy="3429000"/>
+          </a:xfrm>
+        </p:spPr>
+      </p:sp>
+      <p:sp>
+        <p:nvSpPr>
+          <p:cNvPr id="3" name="Notes Placeholder 2"/>
+          <p:cNvSpPr>
+            <a:spLocks noGrp="1"/>
+          </p:cNvSpPr>
+          <p:nvPr>
+            <p:ph type="body" idx="1"/>
+          </p:nvPr>
+        </p:nvSpPr>
+        <p:spPr/>
+        <p:txBody>
+          <a:bodyPr/>
+          <a:lstStyle/>
+          <a:p>
+            <a:r>
+              <a:rPr lang="en-IN" dirty="0"/>
+              <a:t>We faced several challenges firstly.</a:t>
+            </a:r>
+          </a:p>
+          <a:p>
+            <a:r>
+              <a:rPr lang="en-IN" dirty="0"/>
+              <a:t>We need proper data i.e. verified data</a:t>
+            </a:r>
+          </a:p>
+          <a:p>
+            <a:r>
+              <a:rPr lang="en-IN" dirty="0"/>
+              <a:t>Creating own database with large set of documents</a:t>
+            </a:r>
+          </a:p>
+          <a:p>
+            <a:endParaRPr lang="en-IN" dirty="0"/>
+          </a:p>
+          <a:p>
+            <a:r>
+              <a:rPr lang="en-IN" dirty="0"/>
+              <a:t>We solved these challenges by using</a:t>
+            </a:r>
+          </a:p>
+          <a:p>
+            <a:r>
+              <a:rPr lang="en-IN" dirty="0"/>
+              <a:t>1) SOLR – </a:t>
+            </a:r>
+            <a:r>
+              <a:rPr lang="en-IN" dirty="0" err="1"/>
+              <a:t>NoSql</a:t>
+            </a:r>
+            <a:r>
+              <a:rPr lang="en-IN" dirty="0"/>
+              <a:t> database which deals with large set of documents (partitions data &amp; show json format)</a:t>
+            </a:r>
+          </a:p>
+          <a:p>
+            <a:r>
+              <a:rPr lang="en-IN" dirty="0"/>
+              <a:t>2) Ranking &amp; Searching – By default Nutch uses BM25 algorithm. On top we are using Linear ranking model for more accuracy.</a:t>
+            </a:r>
+          </a:p>
+          <a:p>
+            <a:r>
+              <a:rPr lang="en-IN" dirty="0"/>
+              <a:t>3) Dataset for our website is obtained from </a:t>
+            </a:r>
+            <a:r>
+              <a:rPr lang="en-IN" dirty="0" err="1"/>
+              <a:t>FindZebra</a:t>
+            </a:r>
+            <a:r>
+              <a:rPr lang="en-IN" dirty="0"/>
+              <a:t> &amp; Google – We got Rare Diseases from Find zebra &amp; common diseases from Google… List of diseases, symptoms and their details are obtained from 20 websites.</a:t>
+            </a:r>
+          </a:p>
+          <a:p>
+            <a:endParaRPr lang="en-IN" dirty="0"/>
+          </a:p>
+          <a:p>
+            <a:r>
+              <a:rPr lang="en-IN" dirty="0"/>
+              <a:t>As u saw earlier, results are compared with Mayo clinic &amp; Find zebra</a:t>
+            </a:r>
+          </a:p>
+        </p:txBody>
+      </p:sp>
+    </p:spTree>
+    <p:extLst>
+      <p:ext uri="{BB962C8B-B14F-4D97-AF65-F5344CB8AC3E}">
+        <p14:creationId xmlns:p14="http://schemas.microsoft.com/office/powerpoint/2010/main" val="988097416"/>
+      </p:ext>
+    </p:extLst>
+  </p:cSld>
+  <p:clrMapOvr>
+    <a:masterClrMapping/>
+  </p:clrMapOvr>
+</p:notes>
+</file>
+
+<file path=ppt/notesSlides/notesSlide9.xml><?xml version="1.0" encoding="utf-8"?>
+<p:notes xmlns:a="http://schemas.openxmlformats.org/drawingml/2006/main" xmlns:r="http://schemas.openxmlformats.org/officeDocument/2006/relationships" xmlns:p="http://schemas.openxmlformats.org/presentationml/2006/main">
+  <p:cSld>
+    <p:spTree>
+      <p:nvGrpSpPr>
+        <p:cNvPr id="1" name=""/>
+        <p:cNvGrpSpPr/>
+        <p:nvPr/>
+      </p:nvGrpSpPr>
+      <p:grpSpPr>
+        <a:xfrm>
+          <a:off x="0" y="0"/>
+          <a:ext cx="0" cy="0"/>
+          <a:chOff x="0" y="0"/>
+          <a:chExt cx="0" cy="0"/>
+        </a:xfrm>
+      </p:grpSpPr>
+      <p:sp>
+        <p:nvSpPr>
+          <p:cNvPr id="2" name="Slide Image Placeholder 1"/>
+          <p:cNvSpPr>
+            <a:spLocks noGrp="1" noRot="1" noChangeAspect="1"/>
+          </p:cNvSpPr>
+          <p:nvPr>
+            <p:ph type="sldImg"/>
+          </p:nvPr>
+        </p:nvSpPr>
+        <p:spPr>
+          <a:xfrm>
+            <a:off x="384175" y="685800"/>
+            <a:ext cx="6089650" cy="3429000"/>
+          </a:xfrm>
+        </p:spPr>
+      </p:sp>
+      <p:sp>
+        <p:nvSpPr>
+          <p:cNvPr id="3" name="Notes Placeholder 2"/>
+          <p:cNvSpPr>
+            <a:spLocks noGrp="1"/>
+          </p:cNvSpPr>
+          <p:nvPr>
+            <p:ph type="body" idx="1"/>
+          </p:nvPr>
+        </p:nvSpPr>
+        <p:spPr/>
+        <p:txBody>
+          <a:bodyPr/>
+          <a:lstStyle/>
+          <a:p>
+            <a:endParaRPr lang="en-IN" dirty="0"/>
+          </a:p>
+        </p:txBody>
+      </p:sp>
+    </p:spTree>
+    <p:extLst>
+      <p:ext uri="{BB962C8B-B14F-4D97-AF65-F5344CB8AC3E}">
+        <p14:creationId xmlns:p14="http://schemas.microsoft.com/office/powerpoint/2010/main" val="984125199"/>
+      </p:ext>
+    </p:extLst>
   </p:cSld>
   <p:clrMapOvr>
     <a:masterClrMapping/>
@@ -13707,7 +14624,7 @@
           </a:ln>
           <a:extLst>
             <a:ext uri="{C572A759-6A51-4108-AA02-DFA0A04FC94B}">
-              <ma14:wrappingTextBoxFlag xmlns:ma14="http://schemas.microsoft.com/office/mac/drawingml/2011/main" xmlns:a14="http://schemas.microsoft.com/office/drawing/2010/main" xmlns:m="http://schemas.openxmlformats.org/officeDocument/2006/math" xmlns="" val="1"/>
+              <ma14:wrappingTextBoxFlag xmlns="" xmlns:m="http://schemas.openxmlformats.org/officeDocument/2006/math" xmlns:a14="http://schemas.microsoft.com/office/drawing/2010/main" xmlns:ma14="http://schemas.microsoft.com/office/mac/drawingml/2011/main" val="1"/>
             </a:ext>
           </a:extLst>
         </p:spPr>
@@ -13770,7 +14687,7 @@
           </a:ln>
           <a:extLst>
             <a:ext uri="{C572A759-6A51-4108-AA02-DFA0A04FC94B}">
-              <ma14:wrappingTextBoxFlag xmlns:ma14="http://schemas.microsoft.com/office/mac/drawingml/2011/main" xmlns:a14="http://schemas.microsoft.com/office/drawing/2010/main" xmlns:m="http://schemas.openxmlformats.org/officeDocument/2006/math" xmlns="" val="1"/>
+              <ma14:wrappingTextBoxFlag xmlns="" xmlns:m="http://schemas.openxmlformats.org/officeDocument/2006/math" xmlns:a14="http://schemas.microsoft.com/office/drawing/2010/main" xmlns:ma14="http://schemas.microsoft.com/office/mac/drawingml/2011/main" val="1"/>
             </a:ext>
           </a:extLst>
         </p:spPr>
@@ -14653,7 +15570,7 @@
           </a:prstGeom>
           <a:extLst>
             <a:ext uri="{C572A759-6A51-4108-AA02-DFA0A04FC94B}">
-              <ma14:wrappingTextBoxFlag xmlns:ma14="http://schemas.microsoft.com/office/mac/drawingml/2011/main" xmlns:a14="http://schemas.microsoft.com/office/drawing/2010/main" xmlns:m="http://schemas.openxmlformats.org/officeDocument/2006/math" xmlns="" val="1"/>
+              <ma14:wrappingTextBoxFlag xmlns="" xmlns:m="http://schemas.openxmlformats.org/officeDocument/2006/math" xmlns:a14="http://schemas.microsoft.com/office/drawing/2010/main" xmlns:ma14="http://schemas.microsoft.com/office/mac/drawingml/2011/main" val="1"/>
             </a:ext>
           </a:extLst>
         </p:spPr>
@@ -14683,7 +15600,7 @@
           </a:prstGeom>
           <a:extLst>
             <a:ext uri="{C572A759-6A51-4108-AA02-DFA0A04FC94B}">
-              <ma14:wrappingTextBoxFlag xmlns:ma14="http://schemas.microsoft.com/office/mac/drawingml/2011/main" xmlns:a14="http://schemas.microsoft.com/office/drawing/2010/main" xmlns:m="http://schemas.openxmlformats.org/officeDocument/2006/math" xmlns="" val="1"/>
+              <ma14:wrappingTextBoxFlag xmlns="" xmlns:m="http://schemas.openxmlformats.org/officeDocument/2006/math" xmlns:a14="http://schemas.microsoft.com/office/drawing/2010/main" xmlns:ma14="http://schemas.microsoft.com/office/mac/drawingml/2011/main" val="1"/>
             </a:ext>
           </a:extLst>
         </p:spPr>
@@ -14732,7 +15649,7 @@
           <p:nvPr/>
         </p:nvPicPr>
         <p:blipFill>
-          <a:blip r:embed="rId2"/>
+          <a:blip r:embed="rId3"/>
           <a:stretch>
             <a:fillRect/>
           </a:stretch>
@@ -14794,7 +15711,7 @@
           <p:nvPr/>
         </p:nvPicPr>
         <p:blipFill>
-          <a:blip r:embed="rId3"/>
+          <a:blip r:embed="rId4"/>
           <a:stretch>
             <a:fillRect/>
           </a:stretch>
@@ -14828,7 +15745,7 @@
           </a:prstGeom>
           <a:extLst>
             <a:ext uri="{C572A759-6A51-4108-AA02-DFA0A04FC94B}">
-              <ma14:wrappingTextBoxFlag xmlns:ma14="http://schemas.microsoft.com/office/mac/drawingml/2011/main" xmlns:a14="http://schemas.microsoft.com/office/drawing/2010/main" xmlns:m="http://schemas.openxmlformats.org/officeDocument/2006/math" xmlns="" val="1"/>
+              <ma14:wrappingTextBoxFlag xmlns="" xmlns:m="http://schemas.openxmlformats.org/officeDocument/2006/math" xmlns:a14="http://schemas.microsoft.com/office/drawing/2010/main" xmlns:ma14="http://schemas.microsoft.com/office/mac/drawingml/2011/main" val="1"/>
             </a:ext>
           </a:extLst>
         </p:spPr>
@@ -14885,7 +15802,7 @@
           </a:prstGeom>
           <a:extLst>
             <a:ext uri="{C572A759-6A51-4108-AA02-DFA0A04FC94B}">
-              <ma14:wrappingTextBoxFlag xmlns:ma14="http://schemas.microsoft.com/office/mac/drawingml/2011/main" xmlns:a14="http://schemas.microsoft.com/office/drawing/2010/main" xmlns:m="http://schemas.openxmlformats.org/officeDocument/2006/math" xmlns="" val="1"/>
+              <ma14:wrappingTextBoxFlag xmlns="" xmlns:m="http://schemas.openxmlformats.org/officeDocument/2006/math" xmlns:a14="http://schemas.microsoft.com/office/drawing/2010/main" xmlns:ma14="http://schemas.microsoft.com/office/mac/drawingml/2011/main" val="1"/>
             </a:ext>
           </a:extLst>
         </p:spPr>
@@ -14959,7 +15876,9 @@
           </a:prstGeom>
         </p:spPr>
         <p:txBody>
-          <a:bodyPr/>
+          <a:bodyPr>
+            <a:normAutofit fontScale="90000"/>
+          </a:bodyPr>
           <a:lstStyle/>
           <a:p>
             <a:r>
@@ -14984,7 +15903,7 @@
           </a:prstGeom>
           <a:extLst>
             <a:ext uri="{C572A759-6A51-4108-AA02-DFA0A04FC94B}">
-              <ma14:wrappingTextBoxFlag xmlns:ma14="http://schemas.microsoft.com/office/mac/drawingml/2011/main" xmlns:a14="http://schemas.microsoft.com/office/drawing/2010/main" xmlns:m="http://schemas.openxmlformats.org/officeDocument/2006/math" xmlns="" val="1"/>
+              <ma14:wrappingTextBoxFlag xmlns="" xmlns:m="http://schemas.openxmlformats.org/officeDocument/2006/math" xmlns:a14="http://schemas.microsoft.com/office/drawing/2010/main" xmlns:ma14="http://schemas.microsoft.com/office/mac/drawingml/2011/main" val="1"/>
             </a:ext>
           </a:extLst>
         </p:spPr>
@@ -15018,7 +15937,7 @@
           </a:prstGeom>
           <a:extLst>
             <a:ext uri="{C572A759-6A51-4108-AA02-DFA0A04FC94B}">
-              <ma14:wrappingTextBoxFlag xmlns:ma14="http://schemas.microsoft.com/office/mac/drawingml/2011/main" xmlns:a14="http://schemas.microsoft.com/office/drawing/2010/main" xmlns:m="http://schemas.openxmlformats.org/officeDocument/2006/math" xmlns="" val="1"/>
+              <ma14:wrappingTextBoxFlag xmlns="" xmlns:m="http://schemas.openxmlformats.org/officeDocument/2006/math" xmlns:a14="http://schemas.microsoft.com/office/drawing/2010/main" xmlns:ma14="http://schemas.microsoft.com/office/mac/drawingml/2011/main" val="1"/>
             </a:ext>
           </a:extLst>
         </p:spPr>
@@ -15237,7 +16156,9 @@
           </a:prstGeom>
         </p:spPr>
         <p:txBody>
-          <a:bodyPr/>
+          <a:bodyPr>
+            <a:normAutofit fontScale="90000"/>
+          </a:bodyPr>
           <a:lstStyle/>
           <a:p>
             <a:r>
@@ -15262,7 +16183,7 @@
           </a:prstGeom>
           <a:extLst>
             <a:ext uri="{C572A759-6A51-4108-AA02-DFA0A04FC94B}">
-              <ma14:wrappingTextBoxFlag xmlns:ma14="http://schemas.microsoft.com/office/mac/drawingml/2011/main" xmlns:a14="http://schemas.microsoft.com/office/drawing/2010/main" xmlns:m="http://schemas.openxmlformats.org/officeDocument/2006/math" xmlns="" val="1"/>
+              <ma14:wrappingTextBoxFlag xmlns="" xmlns:m="http://schemas.openxmlformats.org/officeDocument/2006/math" xmlns:a14="http://schemas.microsoft.com/office/drawing/2010/main" xmlns:ma14="http://schemas.microsoft.com/office/mac/drawingml/2011/main" val="1"/>
             </a:ext>
           </a:extLst>
         </p:spPr>
@@ -15296,7 +16217,7 @@
           </a:prstGeom>
           <a:extLst>
             <a:ext uri="{C572A759-6A51-4108-AA02-DFA0A04FC94B}">
-              <ma14:wrappingTextBoxFlag xmlns:ma14="http://schemas.microsoft.com/office/mac/drawingml/2011/main" xmlns:a14="http://schemas.microsoft.com/office/drawing/2010/main" xmlns:m="http://schemas.openxmlformats.org/officeDocument/2006/math" xmlns="" val="1"/>
+              <ma14:wrappingTextBoxFlag xmlns="" xmlns:m="http://schemas.openxmlformats.org/officeDocument/2006/math" xmlns:a14="http://schemas.microsoft.com/office/drawing/2010/main" xmlns:ma14="http://schemas.microsoft.com/office/mac/drawingml/2011/main" val="1"/>
             </a:ext>
           </a:extLst>
         </p:spPr>
@@ -15633,7 +16554,9 @@
           </a:prstGeom>
         </p:spPr>
         <p:txBody>
-          <a:bodyPr/>
+          <a:bodyPr>
+            <a:normAutofit fontScale="90000"/>
+          </a:bodyPr>
           <a:lstStyle/>
           <a:p>
             <a:r>
@@ -15658,7 +16581,7 @@
           </a:prstGeom>
           <a:extLst>
             <a:ext uri="{C572A759-6A51-4108-AA02-DFA0A04FC94B}">
-              <ma14:wrappingTextBoxFlag xmlns:ma14="http://schemas.microsoft.com/office/mac/drawingml/2011/main" xmlns:a14="http://schemas.microsoft.com/office/drawing/2010/main" xmlns:m="http://schemas.openxmlformats.org/officeDocument/2006/math" xmlns="" val="1"/>
+              <ma14:wrappingTextBoxFlag xmlns="" xmlns:m="http://schemas.openxmlformats.org/officeDocument/2006/math" xmlns:a14="http://schemas.microsoft.com/office/drawing/2010/main" xmlns:ma14="http://schemas.microsoft.com/office/mac/drawingml/2011/main" val="1"/>
             </a:ext>
           </a:extLst>
         </p:spPr>
@@ -15692,7 +16615,7 @@
           </a:prstGeom>
           <a:extLst>
             <a:ext uri="{C572A759-6A51-4108-AA02-DFA0A04FC94B}">
-              <ma14:wrappingTextBoxFlag xmlns:ma14="http://schemas.microsoft.com/office/mac/drawingml/2011/main" xmlns:a14="http://schemas.microsoft.com/office/drawing/2010/main" xmlns:m="http://schemas.openxmlformats.org/officeDocument/2006/math" xmlns="" val="1"/>
+              <ma14:wrappingTextBoxFlag xmlns="" xmlns:m="http://schemas.openxmlformats.org/officeDocument/2006/math" xmlns:a14="http://schemas.microsoft.com/office/drawing/2010/main" xmlns:ma14="http://schemas.microsoft.com/office/mac/drawingml/2011/main" val="1"/>
             </a:ext>
           </a:extLst>
         </p:spPr>
@@ -15835,7 +16758,9 @@
           </a:prstGeom>
         </p:spPr>
         <p:txBody>
-          <a:bodyPr/>
+          <a:bodyPr>
+            <a:normAutofit fontScale="90000"/>
+          </a:bodyPr>
           <a:lstStyle/>
           <a:p>
             <a:r>
@@ -15860,7 +16785,7 @@
           </a:prstGeom>
           <a:extLst>
             <a:ext uri="{C572A759-6A51-4108-AA02-DFA0A04FC94B}">
-              <ma14:wrappingTextBoxFlag xmlns:ma14="http://schemas.microsoft.com/office/mac/drawingml/2011/main" xmlns:a14="http://schemas.microsoft.com/office/drawing/2010/main" xmlns:m="http://schemas.openxmlformats.org/officeDocument/2006/math" xmlns="" val="1"/>
+              <ma14:wrappingTextBoxFlag xmlns="" xmlns:m="http://schemas.openxmlformats.org/officeDocument/2006/math" xmlns:a14="http://schemas.microsoft.com/office/drawing/2010/main" xmlns:ma14="http://schemas.microsoft.com/office/mac/drawingml/2011/main" val="1"/>
             </a:ext>
           </a:extLst>
         </p:spPr>
@@ -15894,7 +16819,7 @@
           </a:prstGeom>
           <a:extLst>
             <a:ext uri="{C572A759-6A51-4108-AA02-DFA0A04FC94B}">
-              <ma14:wrappingTextBoxFlag xmlns:ma14="http://schemas.microsoft.com/office/mac/drawingml/2011/main" xmlns:a14="http://schemas.microsoft.com/office/drawing/2010/main" xmlns:m="http://schemas.openxmlformats.org/officeDocument/2006/math" xmlns="" val="1"/>
+              <ma14:wrappingTextBoxFlag xmlns="" xmlns:m="http://schemas.openxmlformats.org/officeDocument/2006/math" xmlns:a14="http://schemas.microsoft.com/office/drawing/2010/main" xmlns:ma14="http://schemas.microsoft.com/office/mac/drawingml/2011/main" val="1"/>
             </a:ext>
           </a:extLst>
         </p:spPr>
@@ -16432,7 +17357,9 @@
           </a:prstGeom>
         </p:spPr>
         <p:txBody>
-          <a:bodyPr/>
+          <a:bodyPr>
+            <a:normAutofit fontScale="90000"/>
+          </a:bodyPr>
           <a:lstStyle/>
           <a:p>
             <a:r>
@@ -16457,7 +17384,7 @@
           </a:prstGeom>
           <a:extLst>
             <a:ext uri="{C572A759-6A51-4108-AA02-DFA0A04FC94B}">
-              <ma14:wrappingTextBoxFlag xmlns:ma14="http://schemas.microsoft.com/office/mac/drawingml/2011/main" xmlns:a14="http://schemas.microsoft.com/office/drawing/2010/main" xmlns:m="http://schemas.openxmlformats.org/officeDocument/2006/math" xmlns="" val="1"/>
+              <ma14:wrappingTextBoxFlag xmlns="" xmlns:m="http://schemas.openxmlformats.org/officeDocument/2006/math" xmlns:a14="http://schemas.microsoft.com/office/drawing/2010/main" xmlns:ma14="http://schemas.microsoft.com/office/mac/drawingml/2011/main" val="1"/>
             </a:ext>
           </a:extLst>
         </p:spPr>
@@ -16491,7 +17418,7 @@
           </a:prstGeom>
           <a:extLst>
             <a:ext uri="{C572A759-6A51-4108-AA02-DFA0A04FC94B}">
-              <ma14:wrappingTextBoxFlag xmlns:ma14="http://schemas.microsoft.com/office/mac/drawingml/2011/main" xmlns:a14="http://schemas.microsoft.com/office/drawing/2010/main" xmlns:m="http://schemas.openxmlformats.org/officeDocument/2006/math" xmlns="" val="1"/>
+              <ma14:wrappingTextBoxFlag xmlns="" xmlns:m="http://schemas.openxmlformats.org/officeDocument/2006/math" xmlns:a14="http://schemas.microsoft.com/office/drawing/2010/main" xmlns:ma14="http://schemas.microsoft.com/office/mac/drawingml/2011/main" val="1"/>
             </a:ext>
           </a:extLst>
         </p:spPr>
@@ -16693,7 +17620,9 @@
           </a:prstGeom>
         </p:spPr>
         <p:txBody>
-          <a:bodyPr/>
+          <a:bodyPr>
+            <a:normAutofit fontScale="90000"/>
+          </a:bodyPr>
           <a:lstStyle/>
           <a:p>
             <a:r>
@@ -16718,7 +17647,7 @@
           </a:prstGeom>
           <a:extLst>
             <a:ext uri="{C572A759-6A51-4108-AA02-DFA0A04FC94B}">
-              <ma14:wrappingTextBoxFlag xmlns:ma14="http://schemas.microsoft.com/office/mac/drawingml/2011/main" xmlns:a14="http://schemas.microsoft.com/office/drawing/2010/main" xmlns:m="http://schemas.openxmlformats.org/officeDocument/2006/math" xmlns="" val="1"/>
+              <ma14:wrappingTextBoxFlag xmlns="" xmlns:m="http://schemas.openxmlformats.org/officeDocument/2006/math" xmlns:a14="http://schemas.microsoft.com/office/drawing/2010/main" xmlns:ma14="http://schemas.microsoft.com/office/mac/drawingml/2011/main" val="1"/>
             </a:ext>
           </a:extLst>
         </p:spPr>
@@ -16778,7 +17707,7 @@
           </a:prstGeom>
           <a:extLst>
             <a:ext uri="{C572A759-6A51-4108-AA02-DFA0A04FC94B}">
-              <ma14:wrappingTextBoxFlag xmlns:ma14="http://schemas.microsoft.com/office/mac/drawingml/2011/main" xmlns:a14="http://schemas.microsoft.com/office/drawing/2010/main" xmlns:m="http://schemas.openxmlformats.org/officeDocument/2006/math" xmlns="" val="1"/>
+              <ma14:wrappingTextBoxFlag xmlns="" xmlns:m="http://schemas.openxmlformats.org/officeDocument/2006/math" xmlns:a14="http://schemas.microsoft.com/office/drawing/2010/main" xmlns:ma14="http://schemas.microsoft.com/office/mac/drawingml/2011/main" val="1"/>
             </a:ext>
           </a:extLst>
         </p:spPr>
@@ -17248,7 +18177,9 @@
           </a:prstGeom>
         </p:spPr>
         <p:txBody>
-          <a:bodyPr/>
+          <a:bodyPr>
+            <a:normAutofit fontScale="90000"/>
+          </a:bodyPr>
           <a:lstStyle/>
           <a:p>
             <a:r>
@@ -17273,7 +18204,7 @@
           </a:prstGeom>
           <a:extLst>
             <a:ext uri="{C572A759-6A51-4108-AA02-DFA0A04FC94B}">
-              <ma14:wrappingTextBoxFlag xmlns:ma14="http://schemas.microsoft.com/office/mac/drawingml/2011/main" xmlns:a14="http://schemas.microsoft.com/office/drawing/2010/main" xmlns:m="http://schemas.openxmlformats.org/officeDocument/2006/math" xmlns="" val="1"/>
+              <ma14:wrappingTextBoxFlag xmlns="" xmlns:m="http://schemas.openxmlformats.org/officeDocument/2006/math" xmlns:a14="http://schemas.microsoft.com/office/drawing/2010/main" xmlns:ma14="http://schemas.microsoft.com/office/mac/drawingml/2011/main" val="1"/>
             </a:ext>
           </a:extLst>
         </p:spPr>
@@ -17296,7 +18227,7 @@
           <p:nvPr/>
         </p:nvPicPr>
         <p:blipFill>
-          <a:blip r:embed="rId2"/>
+          <a:blip r:embed="rId3"/>
           <a:stretch>
             <a:fillRect/>
           </a:stretch>
@@ -17356,7 +18287,9 @@
           </a:prstGeom>
         </p:spPr>
         <p:txBody>
-          <a:bodyPr/>
+          <a:bodyPr>
+            <a:normAutofit fontScale="90000"/>
+          </a:bodyPr>
           <a:lstStyle/>
           <a:p>
             <a:r>
@@ -17381,7 +18314,7 @@
           </a:prstGeom>
           <a:extLst>
             <a:ext uri="{C572A759-6A51-4108-AA02-DFA0A04FC94B}">
-              <ma14:wrappingTextBoxFlag xmlns:ma14="http://schemas.microsoft.com/office/mac/drawingml/2011/main" xmlns:a14="http://schemas.microsoft.com/office/drawing/2010/main" xmlns:m="http://schemas.openxmlformats.org/officeDocument/2006/math" xmlns="" val="1"/>
+              <ma14:wrappingTextBoxFlag xmlns="" xmlns:m="http://schemas.openxmlformats.org/officeDocument/2006/math" xmlns:a14="http://schemas.microsoft.com/office/drawing/2010/main" xmlns:ma14="http://schemas.microsoft.com/office/mac/drawingml/2011/main" val="1"/>
             </a:ext>
           </a:extLst>
         </p:spPr>
@@ -17404,7 +18337,7 @@
           <p:nvPr/>
         </p:nvPicPr>
         <p:blipFill>
-          <a:blip r:embed="rId2"/>
+          <a:blip r:embed="rId3"/>
           <a:stretch>
             <a:fillRect/>
           </a:stretch>
@@ -17431,7 +18364,7 @@
           <p:nvPr/>
         </p:nvPicPr>
         <p:blipFill>
-          <a:blip r:embed="rId3"/>
+          <a:blip r:embed="rId4"/>
           <a:stretch>
             <a:fillRect/>
           </a:stretch>
@@ -17556,7 +18489,7 @@
           </a:prstGeom>
           <a:extLst>
             <a:ext uri="{C572A759-6A51-4108-AA02-DFA0A04FC94B}">
-              <ma14:wrappingTextBoxFlag xmlns:ma14="http://schemas.microsoft.com/office/mac/drawingml/2011/main" xmlns:a14="http://schemas.microsoft.com/office/drawing/2010/main" xmlns:m="http://schemas.openxmlformats.org/officeDocument/2006/math" xmlns="" val="1"/>
+              <ma14:wrappingTextBoxFlag xmlns="" xmlns:m="http://schemas.openxmlformats.org/officeDocument/2006/math" xmlns:a14="http://schemas.microsoft.com/office/drawing/2010/main" xmlns:ma14="http://schemas.microsoft.com/office/mac/drawingml/2011/main" val="1"/>
             </a:ext>
           </a:extLst>
         </p:spPr>
@@ -17650,7 +18583,7 @@
           </a:ln>
           <a:extLst>
             <a:ext uri="{C572A759-6A51-4108-AA02-DFA0A04FC94B}">
-              <ma14:wrappingTextBoxFlag xmlns:ma14="http://schemas.microsoft.com/office/mac/drawingml/2011/main" xmlns:a14="http://schemas.microsoft.com/office/drawing/2010/main" xmlns:m="http://schemas.openxmlformats.org/officeDocument/2006/math" xmlns="" val="1"/>
+              <ma14:wrappingTextBoxFlag xmlns="" xmlns:m="http://schemas.openxmlformats.org/officeDocument/2006/math" xmlns:a14="http://schemas.microsoft.com/office/drawing/2010/main" xmlns:ma14="http://schemas.microsoft.com/office/mac/drawingml/2011/main" val="1"/>
             </a:ext>
           </a:extLst>
         </p:spPr>
@@ -17765,7 +18698,7 @@
           </a:prstGeom>
           <a:extLst>
             <a:ext uri="{C572A759-6A51-4108-AA02-DFA0A04FC94B}">
-              <ma14:wrappingTextBoxFlag xmlns:ma14="http://schemas.microsoft.com/office/mac/drawingml/2011/main" xmlns:a14="http://schemas.microsoft.com/office/drawing/2010/main" xmlns:m="http://schemas.openxmlformats.org/officeDocument/2006/math" xmlns="" val="1"/>
+              <ma14:wrappingTextBoxFlag xmlns="" xmlns:m="http://schemas.openxmlformats.org/officeDocument/2006/math" xmlns:a14="http://schemas.microsoft.com/office/drawing/2010/main" xmlns:ma14="http://schemas.microsoft.com/office/mac/drawingml/2011/main" val="1"/>
             </a:ext>
           </a:extLst>
         </p:spPr>
@@ -17863,26 +18796,39 @@
           <a:lstStyle/>
           <a:p>
             <a:r>
+              <a:rPr dirty="0"/>
               <a:t>Efficient - returns results in 300ms or less</a:t>
             </a:r>
           </a:p>
           <a:p>
             <a:r>
+              <a:rPr dirty="0"/>
               <a:t>State of the art of TF-IDF retrieval model </a:t>
             </a:r>
           </a:p>
           <a:p>
             <a:r>
+              <a:rPr dirty="0"/>
               <a:t>Document length normalization</a:t>
             </a:r>
           </a:p>
           <a:p>
             <a:r>
+              <a:rPr dirty="0"/>
               <a:t>Uses logarithmic TF instead of raw TF</a:t>
             </a:r>
-          </a:p>
-          <a:p>
-            <a:r>
+            <a:endParaRPr lang="en-IN" dirty="0"/>
+          </a:p>
+          <a:p>
+            <a:r>
+              <a:rPr lang="en-IN" dirty="0"/>
+              <a:t>Reduce time &amp; space complexity</a:t>
+            </a:r>
+            <a:endParaRPr dirty="0"/>
+          </a:p>
+          <a:p>
+            <a:r>
+              <a:rPr dirty="0"/>
               <a:t>Better performance compared to TF-IDF</a:t>
             </a:r>
           </a:p>
@@ -17908,7 +18854,7 @@
           </a:prstGeom>
           <a:extLst>
             <a:ext uri="{C572A759-6A51-4108-AA02-DFA0A04FC94B}">
-              <ma14:wrappingTextBoxFlag xmlns:ma14="http://schemas.microsoft.com/office/mac/drawingml/2011/main" xmlns:a14="http://schemas.microsoft.com/office/drawing/2010/main" xmlns:m="http://schemas.openxmlformats.org/officeDocument/2006/math" xmlns="" val="1"/>
+              <ma14:wrappingTextBoxFlag xmlns="" xmlns:m="http://schemas.openxmlformats.org/officeDocument/2006/math" xmlns:a14="http://schemas.microsoft.com/office/drawing/2010/main" xmlns:ma14="http://schemas.microsoft.com/office/mac/drawingml/2011/main" val="1"/>
             </a:ext>
           </a:extLst>
         </p:spPr>
@@ -18819,7 +19765,9 @@
           </a:prstGeom>
         </p:spPr>
         <p:txBody>
-          <a:bodyPr/>
+          <a:bodyPr>
+            <a:normAutofit fontScale="90000"/>
+          </a:bodyPr>
           <a:lstStyle/>
           <a:p>
             <a:r>
@@ -18844,7 +19792,7 @@
           </a:prstGeom>
           <a:extLst>
             <a:ext uri="{C572A759-6A51-4108-AA02-DFA0A04FC94B}">
-              <ma14:wrappingTextBoxFlag xmlns:ma14="http://schemas.microsoft.com/office/mac/drawingml/2011/main" xmlns:a14="http://schemas.microsoft.com/office/drawing/2010/main" xmlns:m="http://schemas.openxmlformats.org/officeDocument/2006/math" xmlns="" val="1"/>
+              <ma14:wrappingTextBoxFlag xmlns="" xmlns:m="http://schemas.openxmlformats.org/officeDocument/2006/math" xmlns:a14="http://schemas.microsoft.com/office/drawing/2010/main" xmlns:ma14="http://schemas.microsoft.com/office/mac/drawingml/2011/main" val="1"/>
             </a:ext>
           </a:extLst>
         </p:spPr>
@@ -18908,35 +19856,54 @@
           <a:lstStyle/>
           <a:p>
             <a:r>
+              <a:rPr dirty="0"/>
               <a:t>We present an efficient web search engine for medical diagnosis</a:t>
             </a:r>
           </a:p>
           <a:p>
             <a:r>
+              <a:rPr dirty="0"/>
               <a:t>Works well for both common and rare diseases</a:t>
             </a:r>
           </a:p>
           <a:p>
             <a:r>
+              <a:rPr dirty="0"/>
               <a:t>Easy to implement and portable</a:t>
             </a:r>
           </a:p>
           <a:p>
             <a:r>
-              <a:t>Using open source / free softwares</a:t>
-            </a:r>
-          </a:p>
-          <a:p>
-            <a:r>
+              <a:rPr dirty="0"/>
+              <a:t>Using open source / free </a:t>
+            </a:r>
+            <a:r>
+              <a:rPr lang="en-IN" dirty="0"/>
+              <a:t>software</a:t>
+            </a:r>
+            <a:endParaRPr dirty="0"/>
+          </a:p>
+          <a:p>
+            <a:r>
+              <a:rPr dirty="0"/>
               <a:t>Future work could be implementing a Deep learning model that takes symptoms as inputs and outputs probabilities of diseases and probable remedies</a:t>
             </a:r>
           </a:p>
           <a:p>
             <a:r>
-              <a:t>source code available at </a:t>
-            </a:r>
-            <a:r>
-              <a:rPr u="sng">
+              <a:rPr lang="en-IN" dirty="0"/>
+              <a:t>So</a:t>
+            </a:r>
+            <a:r>
+              <a:rPr dirty="0" err="1"/>
+              <a:t>urce</a:t>
+            </a:r>
+            <a:r>
+              <a:rPr dirty="0"/>
+              <a:t> code available at </a:t>
+            </a:r>
+            <a:r>
+              <a:rPr u="sng" dirty="0">
                 <a:solidFill>
                   <a:srgbClr val="0000FF"/>
                 </a:solidFill>
@@ -18945,7 +19912,7 @@
                     <a:srgbClr val="0000FF"/>
                   </a:solidFill>
                 </a:uFill>
-                <a:hlinkClick r:id="rId2"/>
+                <a:hlinkClick r:id="rId3"/>
               </a:rPr>
               <a:t>https://github.com/devharsh/MediCrawl</a:t>
             </a:r>
@@ -18968,7 +19935,9 @@
           </a:prstGeom>
         </p:spPr>
         <p:txBody>
-          <a:bodyPr/>
+          <a:bodyPr>
+            <a:normAutofit fontScale="90000"/>
+          </a:bodyPr>
           <a:lstStyle/>
           <a:p>
             <a:r>
@@ -18993,7 +19962,7 @@
           </a:prstGeom>
           <a:extLst>
             <a:ext uri="{C572A759-6A51-4108-AA02-DFA0A04FC94B}">
-              <ma14:wrappingTextBoxFlag xmlns:ma14="http://schemas.microsoft.com/office/mac/drawingml/2011/main" xmlns:a14="http://schemas.microsoft.com/office/drawing/2010/main" xmlns:m="http://schemas.openxmlformats.org/officeDocument/2006/math" xmlns="" val="1"/>
+              <ma14:wrappingTextBoxFlag xmlns="" xmlns:m="http://schemas.openxmlformats.org/officeDocument/2006/math" xmlns:a14="http://schemas.microsoft.com/office/drawing/2010/main" xmlns:ma14="http://schemas.microsoft.com/office/mac/drawingml/2011/main" val="1"/>
             </a:ext>
           </a:extLst>
         </p:spPr>
@@ -19027,7 +19996,7 @@
           </a:prstGeom>
           <a:extLst>
             <a:ext uri="{C572A759-6A51-4108-AA02-DFA0A04FC94B}">
-              <ma14:wrappingTextBoxFlag xmlns:ma14="http://schemas.microsoft.com/office/mac/drawingml/2011/main" xmlns:a14="http://schemas.microsoft.com/office/drawing/2010/main" xmlns:m="http://schemas.openxmlformats.org/officeDocument/2006/math" xmlns="" val="1"/>
+              <ma14:wrappingTextBoxFlag xmlns="" xmlns:m="http://schemas.openxmlformats.org/officeDocument/2006/math" xmlns:a14="http://schemas.microsoft.com/office/drawing/2010/main" xmlns:ma14="http://schemas.microsoft.com/office/mac/drawingml/2011/main" val="1"/>
             </a:ext>
           </a:extLst>
         </p:spPr>
@@ -19178,7 +20147,9 @@
           </a:prstGeom>
         </p:spPr>
         <p:txBody>
-          <a:bodyPr/>
+          <a:bodyPr>
+            <a:normAutofit fontScale="90000"/>
+          </a:bodyPr>
           <a:lstStyle/>
           <a:p>
             <a:r>
@@ -19203,7 +20174,7 @@
           </a:prstGeom>
           <a:extLst>
             <a:ext uri="{C572A759-6A51-4108-AA02-DFA0A04FC94B}">
-              <ma14:wrappingTextBoxFlag xmlns:ma14="http://schemas.microsoft.com/office/mac/drawingml/2011/main" xmlns:a14="http://schemas.microsoft.com/office/drawing/2010/main" xmlns:m="http://schemas.openxmlformats.org/officeDocument/2006/math" xmlns="" val="1"/>
+              <ma14:wrappingTextBoxFlag xmlns="" xmlns:m="http://schemas.openxmlformats.org/officeDocument/2006/math" xmlns:a14="http://schemas.microsoft.com/office/drawing/2010/main" xmlns:ma14="http://schemas.microsoft.com/office/mac/drawingml/2011/main" val="1"/>
             </a:ext>
           </a:extLst>
         </p:spPr>
@@ -19264,7 +20235,7 @@
           </a:prstGeom>
           <a:extLst>
             <a:ext uri="{C572A759-6A51-4108-AA02-DFA0A04FC94B}">
-              <ma14:wrappingTextBoxFlag xmlns:ma14="http://schemas.microsoft.com/office/mac/drawingml/2011/main" xmlns:a14="http://schemas.microsoft.com/office/drawing/2010/main" xmlns:m="http://schemas.openxmlformats.org/officeDocument/2006/math" xmlns="" val="1"/>
+              <ma14:wrappingTextBoxFlag xmlns="" xmlns:m="http://schemas.openxmlformats.org/officeDocument/2006/math" xmlns:a14="http://schemas.microsoft.com/office/drawing/2010/main" xmlns:ma14="http://schemas.microsoft.com/office/mac/drawingml/2011/main" val="1"/>
             </a:ext>
           </a:extLst>
         </p:spPr>
@@ -19321,7 +20292,9 @@
           </a:prstGeom>
         </p:spPr>
         <p:txBody>
-          <a:bodyPr/>
+          <a:bodyPr>
+            <a:normAutofit fontScale="90000"/>
+          </a:bodyPr>
           <a:lstStyle/>
           <a:p>
             <a:r>
@@ -19346,7 +20319,7 @@
           </a:prstGeom>
           <a:extLst>
             <a:ext uri="{C572A759-6A51-4108-AA02-DFA0A04FC94B}">
-              <ma14:wrappingTextBoxFlag xmlns:ma14="http://schemas.microsoft.com/office/mac/drawingml/2011/main" xmlns:a14="http://schemas.microsoft.com/office/drawing/2010/main" xmlns:m="http://schemas.openxmlformats.org/officeDocument/2006/math" xmlns="" val="1"/>
+              <ma14:wrappingTextBoxFlag xmlns="" xmlns:m="http://schemas.openxmlformats.org/officeDocument/2006/math" xmlns:a14="http://schemas.microsoft.com/office/drawing/2010/main" xmlns:ma14="http://schemas.microsoft.com/office/mac/drawingml/2011/main" val="1"/>
             </a:ext>
           </a:extLst>
         </p:spPr>
@@ -19380,7 +20353,7 @@
           </a:prstGeom>
           <a:extLst>
             <a:ext uri="{C572A759-6A51-4108-AA02-DFA0A04FC94B}">
-              <ma14:wrappingTextBoxFlag xmlns:ma14="http://schemas.microsoft.com/office/mac/drawingml/2011/main" xmlns:a14="http://schemas.microsoft.com/office/drawing/2010/main" xmlns:m="http://schemas.openxmlformats.org/officeDocument/2006/math" xmlns="" val="1"/>
+              <ma14:wrappingTextBoxFlag xmlns="" xmlns:m="http://schemas.openxmlformats.org/officeDocument/2006/math" xmlns:a14="http://schemas.microsoft.com/office/drawing/2010/main" xmlns:ma14="http://schemas.microsoft.com/office/mac/drawingml/2011/main" val="1"/>
             </a:ext>
           </a:extLst>
         </p:spPr>
@@ -19464,7 +20437,9 @@
           </a:prstGeom>
         </p:spPr>
         <p:txBody>
-          <a:bodyPr/>
+          <a:bodyPr>
+            <a:normAutofit fontScale="90000"/>
+          </a:bodyPr>
           <a:lstStyle/>
           <a:p>
             <a:r>
@@ -19489,7 +20464,7 @@
           </a:prstGeom>
           <a:extLst>
             <a:ext uri="{C572A759-6A51-4108-AA02-DFA0A04FC94B}">
-              <ma14:wrappingTextBoxFlag xmlns:ma14="http://schemas.microsoft.com/office/mac/drawingml/2011/main" xmlns:a14="http://schemas.microsoft.com/office/drawing/2010/main" xmlns:m="http://schemas.openxmlformats.org/officeDocument/2006/math" xmlns="" val="1"/>
+              <ma14:wrappingTextBoxFlag xmlns="" xmlns:m="http://schemas.openxmlformats.org/officeDocument/2006/math" xmlns:a14="http://schemas.microsoft.com/office/drawing/2010/main" xmlns:ma14="http://schemas.microsoft.com/office/mac/drawingml/2011/main" val="1"/>
             </a:ext>
           </a:extLst>
         </p:spPr>
@@ -19550,7 +20525,7 @@
           </a:prstGeom>
           <a:extLst>
             <a:ext uri="{C572A759-6A51-4108-AA02-DFA0A04FC94B}">
-              <ma14:wrappingTextBoxFlag xmlns:ma14="http://schemas.microsoft.com/office/mac/drawingml/2011/main" xmlns:a14="http://schemas.microsoft.com/office/drawing/2010/main" xmlns:m="http://schemas.openxmlformats.org/officeDocument/2006/math" xmlns="" val="1"/>
+              <ma14:wrappingTextBoxFlag xmlns="" xmlns:m="http://schemas.openxmlformats.org/officeDocument/2006/math" xmlns:a14="http://schemas.microsoft.com/office/drawing/2010/main" xmlns:ma14="http://schemas.microsoft.com/office/mac/drawingml/2011/main" val="1"/>
             </a:ext>
           </a:extLst>
         </p:spPr>
@@ -19607,7 +20582,9 @@
           </a:prstGeom>
         </p:spPr>
         <p:txBody>
-          <a:bodyPr/>
+          <a:bodyPr>
+            <a:normAutofit fontScale="90000"/>
+          </a:bodyPr>
           <a:lstStyle/>
           <a:p>
             <a:r>
@@ -19632,7 +20609,7 @@
           </a:prstGeom>
           <a:extLst>
             <a:ext uri="{C572A759-6A51-4108-AA02-DFA0A04FC94B}">
-              <ma14:wrappingTextBoxFlag xmlns:ma14="http://schemas.microsoft.com/office/mac/drawingml/2011/main" xmlns:a14="http://schemas.microsoft.com/office/drawing/2010/main" xmlns:m="http://schemas.openxmlformats.org/officeDocument/2006/math" xmlns="" val="1"/>
+              <ma14:wrappingTextBoxFlag xmlns="" xmlns:m="http://schemas.openxmlformats.org/officeDocument/2006/math" xmlns:a14="http://schemas.microsoft.com/office/drawing/2010/main" xmlns:ma14="http://schemas.microsoft.com/office/mac/drawingml/2011/main" val="1"/>
             </a:ext>
           </a:extLst>
         </p:spPr>
@@ -19693,7 +20670,7 @@
           </a:prstGeom>
           <a:extLst>
             <a:ext uri="{C572A759-6A51-4108-AA02-DFA0A04FC94B}">
-              <ma14:wrappingTextBoxFlag xmlns:ma14="http://schemas.microsoft.com/office/mac/drawingml/2011/main" xmlns:a14="http://schemas.microsoft.com/office/drawing/2010/main" xmlns:m="http://schemas.openxmlformats.org/officeDocument/2006/math" xmlns="" val="1"/>
+              <ma14:wrappingTextBoxFlag xmlns="" xmlns:m="http://schemas.openxmlformats.org/officeDocument/2006/math" xmlns:a14="http://schemas.microsoft.com/office/drawing/2010/main" xmlns:ma14="http://schemas.microsoft.com/office/mac/drawingml/2011/main" val="1"/>
             </a:ext>
           </a:extLst>
         </p:spPr>
@@ -19743,7 +20720,7 @@
           <p:nvPr/>
         </p:nvPicPr>
         <p:blipFill>
-          <a:blip r:embed="rId2"/>
+          <a:blip r:embed="rId3"/>
           <a:stretch>
             <a:fillRect/>
           </a:stretch>
@@ -19806,7 +20783,7 @@
           </a:prstGeom>
           <a:extLst>
             <a:ext uri="{C572A759-6A51-4108-AA02-DFA0A04FC94B}">
-              <ma14:wrappingTextBoxFlag xmlns:ma14="http://schemas.microsoft.com/office/mac/drawingml/2011/main" xmlns:a14="http://schemas.microsoft.com/office/drawing/2010/main" xmlns:m="http://schemas.openxmlformats.org/officeDocument/2006/math" xmlns="" val="1"/>
+              <ma14:wrappingTextBoxFlag xmlns="" xmlns:m="http://schemas.openxmlformats.org/officeDocument/2006/math" xmlns:a14="http://schemas.microsoft.com/office/drawing/2010/main" xmlns:ma14="http://schemas.microsoft.com/office/mac/drawingml/2011/main" val="1"/>
             </a:ext>
           </a:extLst>
         </p:spPr>
@@ -19820,12 +20797,26 @@
               <a:defRPr b="1"/>
             </a:pPr>
             <a:r>
+              <a:rPr dirty="0"/>
               <a:t>Goals</a:t>
             </a:r>
             <a:r>
-              <a:rPr b="0"/>
-              <a:t>: To find relevant documents to the query from large set of unstructured data</a:t>
-            </a:r>
+              <a:rPr b="0" dirty="0"/>
+              <a:t>: To find relevant documents to the </a:t>
+            </a:r>
+            <a:r>
+              <a:rPr lang="en-IN" b="0" dirty="0"/>
+              <a:t>user </a:t>
+            </a:r>
+            <a:r>
+              <a:rPr b="0" dirty="0"/>
+              <a:t>query from large set of unstructured data</a:t>
+            </a:r>
+            <a:r>
+              <a:rPr lang="en-IN" b="0" dirty="0"/>
+              <a:t> over the web.</a:t>
+            </a:r>
+            <a:endParaRPr b="0" dirty="0"/>
           </a:p>
           <a:p>
             <a:pPr marL="0" indent="0">
@@ -19833,16 +20824,19 @@
               <a:buNone/>
             </a:pPr>
             <a:r>
+              <a:rPr dirty="0"/>
               <a:t>How do we represent text?</a:t>
             </a:r>
           </a:p>
           <a:p>
             <a:r>
+              <a:rPr dirty="0"/>
               <a:t>Bag of words</a:t>
             </a:r>
           </a:p>
           <a:p>
             <a:r>
+              <a:rPr dirty="0"/>
               <a:t>Represented as vectors</a:t>
             </a:r>
           </a:p>
@@ -19852,41 +20846,49 @@
               <a:buNone/>
             </a:pPr>
             <a:r>
+              <a:rPr dirty="0"/>
               <a:t>How to get terms?</a:t>
             </a:r>
           </a:p>
           <a:p>
             <a:r>
+              <a:rPr dirty="0"/>
               <a:t>Stop words</a:t>
             </a:r>
           </a:p>
           <a:p>
             <a:r>
+              <a:rPr dirty="0"/>
               <a:t>Normalization</a:t>
             </a:r>
           </a:p>
           <a:p>
             <a:r>
+              <a:rPr dirty="0"/>
               <a:t>Case folding</a:t>
             </a:r>
           </a:p>
           <a:p>
             <a:r>
+              <a:rPr dirty="0"/>
               <a:t>Stemming</a:t>
             </a:r>
           </a:p>
           <a:p>
             <a:r>
+              <a:rPr dirty="0"/>
               <a:t>Thesauri</a:t>
             </a:r>
           </a:p>
           <a:p>
             <a:r>
+              <a:rPr dirty="0"/>
               <a:t>Human factor</a:t>
             </a:r>
           </a:p>
           <a:p>
             <a:r>
+              <a:rPr dirty="0"/>
               <a:t>Other languages</a:t>
             </a:r>
           </a:p>
@@ -19947,7 +20949,7 @@
           </a:prstGeom>
           <a:extLst>
             <a:ext uri="{C572A759-6A51-4108-AA02-DFA0A04FC94B}">
-              <ma14:wrappingTextBoxFlag xmlns:ma14="http://schemas.microsoft.com/office/mac/drawingml/2011/main" xmlns:a14="http://schemas.microsoft.com/office/drawing/2010/main" xmlns:m="http://schemas.openxmlformats.org/officeDocument/2006/math" xmlns="" val="1"/>
+              <ma14:wrappingTextBoxFlag xmlns="" xmlns:m="http://schemas.openxmlformats.org/officeDocument/2006/math" xmlns:a14="http://schemas.microsoft.com/office/drawing/2010/main" xmlns:ma14="http://schemas.microsoft.com/office/mac/drawingml/2011/main" val="1"/>
             </a:ext>
           </a:extLst>
         </p:spPr>
@@ -20222,7 +21224,7 @@
           </a:prstGeom>
           <a:extLst>
             <a:ext uri="{C572A759-6A51-4108-AA02-DFA0A04FC94B}">
-              <ma14:wrappingTextBoxFlag xmlns:ma14="http://schemas.microsoft.com/office/mac/drawingml/2011/main" xmlns:a14="http://schemas.microsoft.com/office/drawing/2010/main" xmlns:m="http://schemas.openxmlformats.org/officeDocument/2006/math" xmlns="" val="1"/>
+              <ma14:wrappingTextBoxFlag xmlns="" xmlns:m="http://schemas.openxmlformats.org/officeDocument/2006/math" xmlns:a14="http://schemas.microsoft.com/office/drawing/2010/main" xmlns:ma14="http://schemas.microsoft.com/office/mac/drawingml/2011/main" val="1"/>
             </a:ext>
           </a:extLst>
         </p:spPr>
@@ -20287,23 +21289,32 @@
           <a:lstStyle/>
           <a:p>
             <a:r>
+              <a:rPr dirty="0"/>
               <a:t>BM for Best Match</a:t>
             </a:r>
           </a:p>
           <a:p>
             <a:r>
+              <a:rPr dirty="0"/>
               <a:t>Probabilistic term weighting model</a:t>
             </a:r>
           </a:p>
           <a:p>
             <a:r>
+              <a:rPr dirty="0"/>
               <a:t>Larger documents – larger term frequency values</a:t>
             </a:r>
           </a:p>
           <a:p>
             <a:r>
+              <a:rPr dirty="0"/>
               <a:t>BM25 – Normalize</a:t>
             </a:r>
+            <a:r>
+              <a:rPr lang="en-IN" dirty="0"/>
+              <a:t>s the document length using the formula K</a:t>
+            </a:r>
+            <a:endParaRPr dirty="0"/>
           </a:p>
         </p:txBody>
       </p:sp>
@@ -20319,7 +21330,7 @@
         </p:nvSpPr>
         <p:spPr>
           <a:xfrm>
-            <a:off x="302604" y="418354"/>
+            <a:off x="302604" y="365088"/>
             <a:ext cx="9735253" cy="535863"/>
           </a:xfrm>
           <a:prstGeom prst="rect">
@@ -20356,7 +21367,7 @@
           </a:prstGeom>
           <a:extLst>
             <a:ext uri="{C572A759-6A51-4108-AA02-DFA0A04FC94B}">
-              <ma14:wrappingTextBoxFlag xmlns:ma14="http://schemas.microsoft.com/office/mac/drawingml/2011/main" xmlns:a14="http://schemas.microsoft.com/office/drawing/2010/main" xmlns:m="http://schemas.openxmlformats.org/officeDocument/2006/math" xmlns="" val="1"/>
+              <ma14:wrappingTextBoxFlag xmlns="" xmlns:m="http://schemas.openxmlformats.org/officeDocument/2006/math" xmlns:a14="http://schemas.microsoft.com/office/drawing/2010/main" xmlns:ma14="http://schemas.microsoft.com/office/mac/drawingml/2011/main" val="1"/>
             </a:ext>
           </a:extLst>
         </p:spPr>
@@ -20444,7 +21455,7 @@
           </a:prstGeom>
           <a:extLst>
             <a:ext uri="{C572A759-6A51-4108-AA02-DFA0A04FC94B}">
-              <ma14:wrappingTextBoxFlag xmlns:ma14="http://schemas.microsoft.com/office/mac/drawingml/2011/main" xmlns:a14="http://schemas.microsoft.com/office/drawing/2010/main" xmlns:m="http://schemas.openxmlformats.org/officeDocument/2006/math" xmlns="" val="1"/>
+              <ma14:wrappingTextBoxFlag xmlns="" xmlns:m="http://schemas.openxmlformats.org/officeDocument/2006/math" xmlns:a14="http://schemas.microsoft.com/office/drawing/2010/main" xmlns:ma14="http://schemas.microsoft.com/office/mac/drawingml/2011/main" val="1"/>
             </a:ext>
           </a:extLst>
         </p:spPr>
